--- a/Classification and Data Processing/Proyecto/Taller de Escritura - Avance 2/Airbnb Exploratory Data Analysis.pptx
+++ b/Classification and Data Processing/Proyecto/Taller de Escritura - Avance 2/Airbnb Exploratory Data Analysis.pptx
@@ -11,6 +11,7 @@
     <p:sldId id="261" r:id="rId8"/>
     <p:sldId id="262" r:id="rId9"/>
     <p:sldId id="259" r:id="rId10"/>
+    <p:sldId id="263" r:id="rId11"/>
   </p:sldIdLst>
   <p:sldSz cx="12192000" cy="6858000"/>
   <p:notesSz cx="6858000" cy="9144000"/>
@@ -12251,6 +12252,282 @@
 </p:sld>
 </file>
 
+<file path=ppt/slides/slide7.xml><?xml version="1.0" encoding="utf-8"?>
+<p:sld xmlns:a="http://schemas.openxmlformats.org/drawingml/2006/main" xmlns:r="http://schemas.openxmlformats.org/officeDocument/2006/relationships" xmlns:p="http://schemas.openxmlformats.org/presentationml/2006/main">
+  <p:cSld>
+    <p:spTree>
+      <p:nvGrpSpPr>
+        <p:cNvPr id="1" name=""/>
+        <p:cNvGrpSpPr/>
+        <p:nvPr/>
+      </p:nvGrpSpPr>
+      <p:grpSpPr>
+        <a:xfrm>
+          <a:off x="0" y="0"/>
+          <a:ext cx="0" cy="0"/>
+          <a:chOff x="0" y="0"/>
+          <a:chExt cx="0" cy="0"/>
+        </a:xfrm>
+      </p:grpSpPr>
+      <p:sp>
+        <p:nvSpPr>
+          <p:cNvPr id="2" name="Title 1">
+            <a:extLst>
+              <a:ext uri="{FF2B5EF4-FFF2-40B4-BE49-F238E27FC236}">
+                <a16:creationId xmlns:a16="http://schemas.microsoft.com/office/drawing/2014/main" id="{37FC4158-70EC-DBD7-9E61-415107C987FC}"/>
+              </a:ext>
+            </a:extLst>
+          </p:cNvPr>
+          <p:cNvSpPr>
+            <a:spLocks noGrp="1"/>
+          </p:cNvSpPr>
+          <p:nvPr>
+            <p:ph type="title"/>
+          </p:nvPr>
+        </p:nvSpPr>
+        <p:spPr/>
+        <p:txBody>
+          <a:bodyPr/>
+          <a:lstStyle/>
+          <a:p>
+            <a:r>
+              <a:rPr lang="en-US" dirty="0" err="1"/>
+              <a:t>Metodologia</a:t>
+            </a:r>
+            <a:endParaRPr lang="en-US" dirty="0"/>
+          </a:p>
+        </p:txBody>
+      </p:sp>
+      <p:sp>
+        <p:nvSpPr>
+          <p:cNvPr id="3" name="Content Placeholder 2">
+            <a:extLst>
+              <a:ext uri="{FF2B5EF4-FFF2-40B4-BE49-F238E27FC236}">
+                <a16:creationId xmlns:a16="http://schemas.microsoft.com/office/drawing/2014/main" id="{CF8F1521-8356-A603-D352-D08B2395E2B4}"/>
+              </a:ext>
+            </a:extLst>
+          </p:cNvPr>
+          <p:cNvSpPr>
+            <a:spLocks noGrp="1"/>
+          </p:cNvSpPr>
+          <p:nvPr>
+            <p:ph idx="1"/>
+          </p:nvPr>
+        </p:nvSpPr>
+        <p:spPr/>
+        <p:txBody>
+          <a:bodyPr>
+            <a:normAutofit fontScale="92500" lnSpcReduction="10000"/>
+          </a:bodyPr>
+          <a:lstStyle/>
+          <a:p>
+            <a:r>
+              <a:rPr lang="en-US" dirty="0" err="1"/>
+              <a:t>Inicio</a:t>
+            </a:r>
+            <a:endParaRPr lang="en-US" dirty="0"/>
+          </a:p>
+          <a:p>
+            <a:r>
+              <a:rPr lang="en-US" dirty="0" err="1"/>
+              <a:t>Lectura</a:t>
+            </a:r>
+            <a:r>
+              <a:rPr lang="en-US" dirty="0"/>
+              <a:t> de la informacion</a:t>
+            </a:r>
+          </a:p>
+          <a:p>
+            <a:r>
+              <a:rPr lang="en-US" dirty="0"/>
+              <a:t>Data Cleaning</a:t>
+            </a:r>
+          </a:p>
+          <a:p>
+            <a:pPr lvl="1"/>
+            <a:r>
+              <a:rPr lang="en-US" dirty="0"/>
+              <a:t>Se </a:t>
+            </a:r>
+            <a:r>
+              <a:rPr lang="en-US" dirty="0" err="1"/>
+              <a:t>realiza</a:t>
+            </a:r>
+            <a:r>
+              <a:rPr lang="en-US" dirty="0"/>
+              <a:t> </a:t>
+            </a:r>
+            <a:r>
+              <a:rPr lang="en-US" dirty="0" err="1"/>
+              <a:t>una</a:t>
+            </a:r>
+            <a:r>
+              <a:rPr lang="en-US" dirty="0"/>
+              <a:t> limpieza de </a:t>
+            </a:r>
+            <a:r>
+              <a:rPr lang="en-US" dirty="0" err="1"/>
+              <a:t>los</a:t>
+            </a:r>
+            <a:r>
+              <a:rPr lang="en-US" dirty="0"/>
+              <a:t> </a:t>
+            </a:r>
+            <a:r>
+              <a:rPr lang="en-US" dirty="0" err="1"/>
+              <a:t>datos</a:t>
+            </a:r>
+            <a:r>
+              <a:rPr lang="en-US" dirty="0"/>
+              <a:t> </a:t>
+            </a:r>
+            <a:r>
+              <a:rPr lang="en-US" dirty="0" err="1"/>
+              <a:t>eliminando</a:t>
+            </a:r>
+            <a:r>
+              <a:rPr lang="en-US" dirty="0"/>
+              <a:t> </a:t>
+            </a:r>
+            <a:r>
+              <a:rPr lang="en-US" dirty="0" err="1"/>
+              <a:t>nulos</a:t>
+            </a:r>
+            <a:r>
+              <a:rPr lang="en-US" dirty="0"/>
+              <a:t>, y </a:t>
+            </a:r>
+            <a:r>
+              <a:rPr lang="en-US" dirty="0" err="1"/>
+              <a:t>eliminando</a:t>
+            </a:r>
+            <a:r>
+              <a:rPr lang="en-US" dirty="0"/>
+              <a:t> </a:t>
+            </a:r>
+            <a:r>
+              <a:rPr lang="en-US" dirty="0" err="1"/>
+              <a:t>columnas</a:t>
+            </a:r>
+            <a:r>
+              <a:rPr lang="en-US" dirty="0"/>
+              <a:t> que no necesitamos, </a:t>
+            </a:r>
+            <a:r>
+              <a:rPr lang="en-US" dirty="0" err="1"/>
+              <a:t>como</a:t>
+            </a:r>
+            <a:r>
+              <a:rPr lang="en-US" dirty="0"/>
+              <a:t>: 'name','id','host_name','last_review','reviews_per_month','calculated_host_listings_count’</a:t>
+            </a:r>
+          </a:p>
+          <a:p>
+            <a:r>
+              <a:rPr lang="en-US" dirty="0" err="1"/>
+              <a:t>Ejecucion</a:t>
+            </a:r>
+            <a:r>
+              <a:rPr lang="en-US" dirty="0"/>
+              <a:t> de </a:t>
+            </a:r>
+            <a:r>
+              <a:rPr lang="en-US" dirty="0" err="1"/>
+              <a:t>Regresion</a:t>
+            </a:r>
+            <a:r>
+              <a:rPr lang="en-US" dirty="0"/>
+              <a:t> linear</a:t>
+            </a:r>
+          </a:p>
+          <a:p>
+            <a:r>
+              <a:rPr lang="en-US" dirty="0" err="1"/>
+              <a:t>Ejecucion</a:t>
+            </a:r>
+            <a:r>
+              <a:rPr lang="en-US" dirty="0"/>
+              <a:t> de </a:t>
+            </a:r>
+            <a:r>
+              <a:rPr lang="en-US" dirty="0" err="1"/>
+              <a:t>Regrecion</a:t>
+            </a:r>
+            <a:r>
+              <a:rPr lang="en-US" dirty="0"/>
+              <a:t> lineal multiple</a:t>
+            </a:r>
+          </a:p>
+          <a:p>
+            <a:r>
+              <a:rPr lang="en-US" dirty="0"/>
+              <a:t>Analisis de </a:t>
+            </a:r>
+            <a:r>
+              <a:rPr lang="en-US" dirty="0" err="1"/>
+              <a:t>los</a:t>
+            </a:r>
+            <a:r>
+              <a:rPr lang="en-US" dirty="0"/>
+              <a:t> </a:t>
+            </a:r>
+            <a:r>
+              <a:rPr lang="en-US" dirty="0" err="1"/>
+              <a:t>datos</a:t>
+            </a:r>
+            <a:r>
+              <a:rPr lang="en-US" dirty="0"/>
+              <a:t> de </a:t>
+            </a:r>
+            <a:r>
+              <a:rPr lang="en-US" dirty="0" err="1"/>
+              <a:t>exactitud</a:t>
+            </a:r>
+            <a:r>
+              <a:rPr lang="en-US" dirty="0"/>
+              <a:t> de ambos modelos.</a:t>
+            </a:r>
+          </a:p>
+          <a:p>
+            <a:r>
+              <a:rPr lang="en-US" dirty="0"/>
+              <a:t>Conclusion de </a:t>
+            </a:r>
+            <a:r>
+              <a:rPr lang="en-US" dirty="0" err="1"/>
+              <a:t>los</a:t>
+            </a:r>
+            <a:r>
+              <a:rPr lang="en-US" dirty="0"/>
+              <a:t> </a:t>
+            </a:r>
+            <a:r>
+              <a:rPr lang="en-US" dirty="0" err="1"/>
+              <a:t>datos</a:t>
+            </a:r>
+            <a:endParaRPr lang="en-US" dirty="0"/>
+          </a:p>
+          <a:p>
+            <a:endParaRPr lang="en-US" dirty="0"/>
+          </a:p>
+          <a:p>
+            <a:endParaRPr lang="en-US" dirty="0"/>
+          </a:p>
+        </p:txBody>
+      </p:sp>
+    </p:spTree>
+    <p:extLst>
+      <p:ext uri="{BB962C8B-B14F-4D97-AF65-F5344CB8AC3E}">
+        <p14:creationId xmlns:p14="http://schemas.microsoft.com/office/powerpoint/2010/main" val="726070322"/>
+      </p:ext>
+    </p:extLst>
+  </p:cSld>
+  <p:clrMapOvr>
+    <a:masterClrMapping/>
+  </p:clrMapOvr>
+</p:sld>
+</file>
+
 <file path=ppt/theme/theme1.xml><?xml version="1.0" encoding="utf-8"?>
 <a:theme xmlns:a="http://schemas.openxmlformats.org/drawingml/2006/main" name="office theme">
   <a:themeElements>
@@ -12513,26 +12790,6 @@
 </file>
 
 <file path=customXml/item1.xml><?xml version="1.0" encoding="utf-8"?>
-<p:properties xmlns:p="http://schemas.microsoft.com/office/2006/metadata/properties" xmlns:xsi="http://www.w3.org/2001/XMLSchema-instance" xmlns:pc="http://schemas.microsoft.com/office/infopath/2007/PartnerControls">
-  <documentManagement>
-    <TaxCatchAll xmlns="8eb80ae1-450f-4768-b847-08b72dd4f52c" xsi:nil="true"/>
-    <lcf76f155ced4ddcb4097134ff3c332f xmlns="b7944219-fbdf-43db-ad22-a0c408296512">
-      <Terms xmlns="http://schemas.microsoft.com/office/infopath/2007/PartnerControls"/>
-    </lcf76f155ced4ddcb4097134ff3c332f>
-  </documentManagement>
-</p:properties>
-</file>
-
-<file path=customXml/item2.xml><?xml version="1.0" encoding="utf-8"?>
-<?mso-contentType ?>
-<FormTemplates xmlns="http://schemas.microsoft.com/sharepoint/v3/contenttype/forms">
-  <Display>DocumentLibraryForm</Display>
-  <Edit>DocumentLibraryForm</Edit>
-  <New>DocumentLibraryForm</New>
-</FormTemplates>
-</file>
-
-<file path=customXml/item3.xml><?xml version="1.0" encoding="utf-8"?>
 <ct:contentTypeSchema xmlns:ct="http://schemas.microsoft.com/office/2006/metadata/contentType" xmlns:ma="http://schemas.microsoft.com/office/2006/metadata/properties/metaAttributes" ct:_="" ma:_="" ma:contentTypeName="Document" ma:contentTypeID="0x01010000C51542697C074CA0797B45C970A12A" ma:contentTypeVersion="11" ma:contentTypeDescription="Create a new document." ma:contentTypeScope="" ma:versionID="32ddd6d49a0875a616d380d411cce507">
   <xsd:schema xmlns:xsd="http://www.w3.org/2001/XMLSchema" xmlns:xs="http://www.w3.org/2001/XMLSchema" xmlns:p="http://schemas.microsoft.com/office/2006/metadata/properties" xmlns:ns2="b7944219-fbdf-43db-ad22-a0c408296512" xmlns:ns3="8eb80ae1-450f-4768-b847-08b72dd4f52c" targetNamespace="http://schemas.microsoft.com/office/2006/metadata/properties" ma:root="true" ma:fieldsID="d1f74fa6a2f95ebcd3e3334f359575d4" ns2:_="" ns3:_="">
     <xsd:import namespace="b7944219-fbdf-43db-ad22-a0c408296512"/>
@@ -12727,26 +12984,27 @@
 </ct:contentTypeSchema>
 </file>
 
-<file path=customXml/itemProps1.xml><?xml version="1.0" encoding="utf-8"?>
-<ds:datastoreItem xmlns:ds="http://schemas.openxmlformats.org/officeDocument/2006/customXml" ds:itemID="{04053060-FCB9-429B-9362-F51225DD2516}">
-  <ds:schemaRefs>
-    <ds:schemaRef ds:uri="http://schemas.microsoft.com/office/2006/metadata/properties"/>
-    <ds:schemaRef ds:uri="http://schemas.microsoft.com/office/infopath/2007/PartnerControls"/>
-    <ds:schemaRef ds:uri="8eb80ae1-450f-4768-b847-08b72dd4f52c"/>
-    <ds:schemaRef ds:uri="b7944219-fbdf-43db-ad22-a0c408296512"/>
-  </ds:schemaRefs>
-</ds:datastoreItem>
+<file path=customXml/item2.xml><?xml version="1.0" encoding="utf-8"?>
+<?mso-contentType ?>
+<FormTemplates xmlns="http://schemas.microsoft.com/sharepoint/v3/contenttype/forms">
+  <Display>DocumentLibraryForm</Display>
+  <Edit>DocumentLibraryForm</Edit>
+  <New>DocumentLibraryForm</New>
+</FormTemplates>
 </file>
 
-<file path=customXml/itemProps2.xml><?xml version="1.0" encoding="utf-8"?>
-<ds:datastoreItem xmlns:ds="http://schemas.openxmlformats.org/officeDocument/2006/customXml" ds:itemID="{C1B87F17-2799-48AE-B7A0-6A2BCDE68FE7}">
-  <ds:schemaRefs>
-    <ds:schemaRef ds:uri="http://schemas.microsoft.com/sharepoint/v3/contenttype/forms"/>
-  </ds:schemaRefs>
-</ds:datastoreItem>
+<file path=customXml/item3.xml><?xml version="1.0" encoding="utf-8"?>
+<p:properties xmlns:p="http://schemas.microsoft.com/office/2006/metadata/properties" xmlns:xsi="http://www.w3.org/2001/XMLSchema-instance" xmlns:pc="http://schemas.microsoft.com/office/infopath/2007/PartnerControls">
+  <documentManagement>
+    <TaxCatchAll xmlns="8eb80ae1-450f-4768-b847-08b72dd4f52c" xsi:nil="true"/>
+    <lcf76f155ced4ddcb4097134ff3c332f xmlns="b7944219-fbdf-43db-ad22-a0c408296512">
+      <Terms xmlns="http://schemas.microsoft.com/office/infopath/2007/PartnerControls"/>
+    </lcf76f155ced4ddcb4097134ff3c332f>
+  </documentManagement>
+</p:properties>
 </file>
 
-<file path=customXml/itemProps3.xml><?xml version="1.0" encoding="utf-8"?>
+<file path=customXml/itemProps1.xml><?xml version="1.0" encoding="utf-8"?>
 <ds:datastoreItem xmlns:ds="http://schemas.openxmlformats.org/officeDocument/2006/customXml" ds:itemID="{C2FB8F4D-46B3-4073-A315-B5E1AA6157C2}">
   <ds:schemaRefs>
     <ds:schemaRef ds:uri="http://schemas.microsoft.com/office/2006/metadata/contentType"/>
@@ -12763,4 +13021,23 @@
     <ds:schemaRef ds:uri="http://schemas.microsoft.com/internal/obd"/>
   </ds:schemaRefs>
 </ds:datastoreItem>
+</file>
+
+<file path=customXml/itemProps2.xml><?xml version="1.0" encoding="utf-8"?>
+<ds:datastoreItem xmlns:ds="http://schemas.openxmlformats.org/officeDocument/2006/customXml" ds:itemID="{C1B87F17-2799-48AE-B7A0-6A2BCDE68FE7}">
+  <ds:schemaRefs>
+    <ds:schemaRef ds:uri="http://schemas.microsoft.com/sharepoint/v3/contenttype/forms"/>
+  </ds:schemaRefs>
+</ds:datastoreItem>
+</file>
+
+<file path=customXml/itemProps3.xml><?xml version="1.0" encoding="utf-8"?>
+<ds:datastoreItem xmlns:ds="http://schemas.openxmlformats.org/officeDocument/2006/customXml" ds:itemID="{04053060-FCB9-429B-9362-F51225DD2516}">
+  <ds:schemaRefs>
+    <ds:schemaRef ds:uri="http://schemas.microsoft.com/office/2006/metadata/properties"/>
+    <ds:schemaRef ds:uri="http://schemas.microsoft.com/office/infopath/2007/PartnerControls"/>
+    <ds:schemaRef ds:uri="8eb80ae1-450f-4768-b847-08b72dd4f52c"/>
+    <ds:schemaRef ds:uri="b7944219-fbdf-43db-ad22-a0c408296512"/>
+  </ds:schemaRefs>
+</ds:datastoreItem>
 </file>